--- a/Thesis_tex/03/fig/3-4-Ini.pptx
+++ b/Thesis_tex/03/fig/3-4-Ini.pptx
@@ -8,6 +8,7 @@
     <p:sldId id="256" r:id="rId2"/>
     <p:sldId id="257" r:id="rId3"/>
     <p:sldId id="258" r:id="rId4"/>
+    <p:sldId id="259" r:id="rId5"/>
   </p:sldIdLst>
   <p:sldSz cx="6858000" cy="5400675"/>
   <p:notesSz cx="6858000" cy="9144000"/>
@@ -256,7 +257,7 @@
           <a:p>
             <a:fld id="{2CC1D8DE-8618-4188-8B70-65D6930942DD}" type="datetimeFigureOut">
               <a:rPr kumimoji="1" lang="ja-JP" altLang="en-US" smtClean="0"/>
-              <a:t>2019/4/8</a:t>
+              <a:t>2019/5/5</a:t>
             </a:fld>
             <a:endParaRPr kumimoji="1" lang="ja-JP" altLang="en-US"/>
           </a:p>
@@ -458,7 +459,7 @@
           <a:p>
             <a:fld id="{2CC1D8DE-8618-4188-8B70-65D6930942DD}" type="datetimeFigureOut">
               <a:rPr kumimoji="1" lang="ja-JP" altLang="en-US" smtClean="0"/>
-              <a:t>2019/4/8</a:t>
+              <a:t>2019/5/5</a:t>
             </a:fld>
             <a:endParaRPr kumimoji="1" lang="ja-JP" altLang="en-US"/>
           </a:p>
@@ -670,7 +671,7 @@
           <a:p>
             <a:fld id="{2CC1D8DE-8618-4188-8B70-65D6930942DD}" type="datetimeFigureOut">
               <a:rPr kumimoji="1" lang="ja-JP" altLang="en-US" smtClean="0"/>
-              <a:t>2019/4/8</a:t>
+              <a:t>2019/5/5</a:t>
             </a:fld>
             <a:endParaRPr kumimoji="1" lang="ja-JP" altLang="en-US"/>
           </a:p>
@@ -872,7 +873,7 @@
           <a:p>
             <a:fld id="{2CC1D8DE-8618-4188-8B70-65D6930942DD}" type="datetimeFigureOut">
               <a:rPr kumimoji="1" lang="ja-JP" altLang="en-US" smtClean="0"/>
-              <a:t>2019/4/8</a:t>
+              <a:t>2019/5/5</a:t>
             </a:fld>
             <a:endParaRPr kumimoji="1" lang="ja-JP" altLang="en-US"/>
           </a:p>
@@ -1116,7 +1117,7 @@
           <a:p>
             <a:fld id="{2CC1D8DE-8618-4188-8B70-65D6930942DD}" type="datetimeFigureOut">
               <a:rPr kumimoji="1" lang="ja-JP" altLang="en-US" smtClean="0"/>
-              <a:t>2019/4/8</a:t>
+              <a:t>2019/5/5</a:t>
             </a:fld>
             <a:endParaRPr kumimoji="1" lang="ja-JP" altLang="en-US"/>
           </a:p>
@@ -1412,7 +1413,7 @@
           <a:p>
             <a:fld id="{2CC1D8DE-8618-4188-8B70-65D6930942DD}" type="datetimeFigureOut">
               <a:rPr kumimoji="1" lang="ja-JP" altLang="en-US" smtClean="0"/>
-              <a:t>2019/4/8</a:t>
+              <a:t>2019/5/5</a:t>
             </a:fld>
             <a:endParaRPr kumimoji="1" lang="ja-JP" altLang="en-US"/>
           </a:p>
@@ -1843,7 +1844,7 @@
           <a:p>
             <a:fld id="{2CC1D8DE-8618-4188-8B70-65D6930942DD}" type="datetimeFigureOut">
               <a:rPr kumimoji="1" lang="ja-JP" altLang="en-US" smtClean="0"/>
-              <a:t>2019/4/8</a:t>
+              <a:t>2019/5/5</a:t>
             </a:fld>
             <a:endParaRPr kumimoji="1" lang="ja-JP" altLang="en-US"/>
           </a:p>
@@ -1961,7 +1962,7 @@
           <a:p>
             <a:fld id="{2CC1D8DE-8618-4188-8B70-65D6930942DD}" type="datetimeFigureOut">
               <a:rPr kumimoji="1" lang="ja-JP" altLang="en-US" smtClean="0"/>
-              <a:t>2019/4/8</a:t>
+              <a:t>2019/5/5</a:t>
             </a:fld>
             <a:endParaRPr kumimoji="1" lang="ja-JP" altLang="en-US"/>
           </a:p>
@@ -2056,7 +2057,7 @@
           <a:p>
             <a:fld id="{2CC1D8DE-8618-4188-8B70-65D6930942DD}" type="datetimeFigureOut">
               <a:rPr kumimoji="1" lang="ja-JP" altLang="en-US" smtClean="0"/>
-              <a:t>2019/4/8</a:t>
+              <a:t>2019/5/5</a:t>
             </a:fld>
             <a:endParaRPr kumimoji="1" lang="ja-JP" altLang="en-US"/>
           </a:p>
@@ -2365,7 +2366,7 @@
           <a:p>
             <a:fld id="{2CC1D8DE-8618-4188-8B70-65D6930942DD}" type="datetimeFigureOut">
               <a:rPr kumimoji="1" lang="ja-JP" altLang="en-US" smtClean="0"/>
-              <a:t>2019/4/8</a:t>
+              <a:t>2019/5/5</a:t>
             </a:fld>
             <a:endParaRPr kumimoji="1" lang="ja-JP" altLang="en-US"/>
           </a:p>
@@ -2622,7 +2623,7 @@
           <a:p>
             <a:fld id="{2CC1D8DE-8618-4188-8B70-65D6930942DD}" type="datetimeFigureOut">
               <a:rPr kumimoji="1" lang="ja-JP" altLang="en-US" smtClean="0"/>
-              <a:t>2019/4/8</a:t>
+              <a:t>2019/5/5</a:t>
             </a:fld>
             <a:endParaRPr kumimoji="1" lang="ja-JP" altLang="en-US"/>
           </a:p>
@@ -2867,7 +2868,7 @@
           <a:p>
             <a:fld id="{2CC1D8DE-8618-4188-8B70-65D6930942DD}" type="datetimeFigureOut">
               <a:rPr kumimoji="1" lang="ja-JP" altLang="en-US" smtClean="0"/>
-              <a:t>2019/4/8</a:t>
+              <a:t>2019/5/5</a:t>
             </a:fld>
             <a:endParaRPr kumimoji="1" lang="ja-JP" altLang="en-US"/>
           </a:p>
@@ -6976,6 +6977,1272 @@
 </p:sld>
 </file>
 
+<file path=ppt/slides/slide4.xml><?xml version="1.0" encoding="utf-8"?>
+<p:sld xmlns:a="http://schemas.openxmlformats.org/drawingml/2006/main" xmlns:r="http://schemas.openxmlformats.org/officeDocument/2006/relationships" xmlns:p="http://schemas.openxmlformats.org/presentationml/2006/main">
+  <p:cSld>
+    <p:spTree>
+      <p:nvGrpSpPr>
+        <p:cNvPr id="1" name=""/>
+        <p:cNvGrpSpPr/>
+        <p:nvPr/>
+      </p:nvGrpSpPr>
+      <p:grpSpPr>
+        <a:xfrm>
+          <a:off x="0" y="0"/>
+          <a:ext cx="0" cy="0"/>
+          <a:chOff x="0" y="0"/>
+          <a:chExt cx="0" cy="0"/>
+        </a:xfrm>
+      </p:grpSpPr>
+      <p:grpSp>
+        <p:nvGrpSpPr>
+          <p:cNvPr id="34" name="グループ化 33"/>
+          <p:cNvGrpSpPr/>
+          <p:nvPr/>
+        </p:nvGrpSpPr>
+        <p:grpSpPr>
+          <a:xfrm>
+            <a:off x="-13156" y="249980"/>
+            <a:ext cx="6858000" cy="4933991"/>
+            <a:chOff x="-13156" y="249980"/>
+            <a:chExt cx="6858000" cy="4933991"/>
+          </a:xfrm>
+        </p:grpSpPr>
+        <p:pic>
+          <p:nvPicPr>
+            <p:cNvPr id="2" name="図 1"/>
+            <p:cNvPicPr>
+              <a:picLocks noChangeAspect="1"/>
+            </p:cNvPicPr>
+            <p:nvPr/>
+          </p:nvPicPr>
+          <p:blipFill>
+            <a:blip r:embed="rId2">
+              <a:extLst>
+                <a:ext uri="{28A0092B-C50C-407E-A947-70E740481C1C}">
+                  <a14:useLocalDpi xmlns:a14="http://schemas.microsoft.com/office/drawing/2010/main" val="0"/>
+                </a:ext>
+              </a:extLst>
+            </a:blip>
+            <a:stretch>
+              <a:fillRect/>
+            </a:stretch>
+          </p:blipFill>
+          <p:spPr>
+            <a:xfrm>
+              <a:off x="-13156" y="249980"/>
+              <a:ext cx="6858000" cy="4933991"/>
+            </a:xfrm>
+            <a:prstGeom prst="rect">
+              <a:avLst/>
+            </a:prstGeom>
+          </p:spPr>
+        </p:pic>
+        <p:sp>
+          <p:nvSpPr>
+            <p:cNvPr id="3" name="フローチャート: 判断 2"/>
+            <p:cNvSpPr/>
+            <p:nvPr/>
+          </p:nvSpPr>
+          <p:spPr>
+            <a:xfrm>
+              <a:off x="666522" y="2979062"/>
+              <a:ext cx="793978" cy="361950"/>
+            </a:xfrm>
+            <a:prstGeom prst="flowChartDecision">
+              <a:avLst/>
+            </a:prstGeom>
+            <a:solidFill>
+              <a:schemeClr val="bg1"/>
+            </a:solidFill>
+            <a:ln>
+              <a:solidFill>
+                <a:schemeClr val="bg1"/>
+              </a:solidFill>
+            </a:ln>
+          </p:spPr>
+          <p:style>
+            <a:lnRef idx="2">
+              <a:schemeClr val="accent1">
+                <a:shade val="50000"/>
+              </a:schemeClr>
+            </a:lnRef>
+            <a:fillRef idx="1">
+              <a:schemeClr val="accent1"/>
+            </a:fillRef>
+            <a:effectRef idx="0">
+              <a:schemeClr val="accent1"/>
+            </a:effectRef>
+            <a:fontRef idx="minor">
+              <a:schemeClr val="lt1"/>
+            </a:fontRef>
+          </p:style>
+          <p:txBody>
+            <a:bodyPr rtlCol="0" anchor="ctr"/>
+            <a:lstStyle/>
+            <a:p>
+              <a:pPr algn="ctr"/>
+              <a:endParaRPr kumimoji="1" lang="ja-JP" altLang="en-US"/>
+            </a:p>
+          </p:txBody>
+        </p:sp>
+        <p:sp>
+          <p:nvSpPr>
+            <p:cNvPr id="4" name="テキスト ボックス 3"/>
+            <p:cNvSpPr txBox="1"/>
+            <p:nvPr/>
+          </p:nvSpPr>
+          <p:spPr>
+            <a:xfrm>
+              <a:off x="742950" y="3017847"/>
+              <a:ext cx="850900" cy="323165"/>
+            </a:xfrm>
+            <a:prstGeom prst="rect">
+              <a:avLst/>
+            </a:prstGeom>
+            <a:noFill/>
+          </p:spPr>
+          <p:txBody>
+            <a:bodyPr wrap="square" rtlCol="0">
+              <a:spAutoFit/>
+            </a:bodyPr>
+            <a:lstStyle/>
+            <a:p>
+              <a:r>
+                <a:rPr kumimoji="1" lang="en-US" altLang="ja-JP" sz="500" b="1" dirty="0" smtClean="0">
+                  <a:latin typeface="メイリオ" panose="020B0604030504040204" pitchFamily="50" charset="-128"/>
+                  <a:ea typeface="メイリオ" panose="020B0604030504040204" pitchFamily="50" charset="-128"/>
+                  <a:cs typeface="メイリオ" panose="020B0604030504040204" pitchFamily="50" charset="-128"/>
+                </a:rPr>
+                <a:t>IO_PIN_49</a:t>
+              </a:r>
+            </a:p>
+            <a:p>
+              <a:r>
+                <a:rPr kumimoji="1" lang="en-US" altLang="ja-JP" sz="500" b="1" dirty="0" smtClean="0">
+                  <a:latin typeface="メイリオ" panose="020B0604030504040204" pitchFamily="50" charset="-128"/>
+                  <a:ea typeface="メイリオ" panose="020B0604030504040204" pitchFamily="50" charset="-128"/>
+                  <a:cs typeface="メイリオ" panose="020B0604030504040204" pitchFamily="50" charset="-128"/>
+                </a:rPr>
+                <a:t>(RX</a:t>
+              </a:r>
+              <a:r>
+                <a:rPr kumimoji="1" lang="ja-JP" altLang="en-US" sz="500" b="1" dirty="0" smtClean="0">
+                  <a:latin typeface="メイリオ" panose="020B0604030504040204" pitchFamily="50" charset="-128"/>
+                  <a:ea typeface="メイリオ" panose="020B0604030504040204" pitchFamily="50" charset="-128"/>
+                  <a:cs typeface="メイリオ" panose="020B0604030504040204" pitchFamily="50" charset="-128"/>
+                </a:rPr>
+                <a:t>溶断完了ピン</a:t>
+              </a:r>
+              <a:r>
+                <a:rPr kumimoji="1" lang="en-US" altLang="ja-JP" sz="500" b="1" dirty="0" smtClean="0">
+                  <a:latin typeface="メイリオ" panose="020B0604030504040204" pitchFamily="50" charset="-128"/>
+                  <a:ea typeface="メイリオ" panose="020B0604030504040204" pitchFamily="50" charset="-128"/>
+                  <a:cs typeface="メイリオ" panose="020B0604030504040204" pitchFamily="50" charset="-128"/>
+                </a:rPr>
+                <a:t>)</a:t>
+              </a:r>
+              <a:r>
+                <a:rPr kumimoji="1" lang="ja-JP" altLang="en-US" sz="500" b="1" dirty="0" smtClean="0">
+                  <a:latin typeface="メイリオ" panose="020B0604030504040204" pitchFamily="50" charset="-128"/>
+                  <a:ea typeface="メイリオ" panose="020B0604030504040204" pitchFamily="50" charset="-128"/>
+                  <a:cs typeface="メイリオ" panose="020B0604030504040204" pitchFamily="50" charset="-128"/>
+                </a:rPr>
+                <a:t>が</a:t>
+              </a:r>
+              <a:endParaRPr kumimoji="1" lang="en-US" altLang="ja-JP" sz="500" b="1" dirty="0" smtClean="0">
+                <a:latin typeface="メイリオ" panose="020B0604030504040204" pitchFamily="50" charset="-128"/>
+                <a:ea typeface="メイリオ" panose="020B0604030504040204" pitchFamily="50" charset="-128"/>
+                <a:cs typeface="メイリオ" panose="020B0604030504040204" pitchFamily="50" charset="-128"/>
+              </a:endParaRPr>
+            </a:p>
+            <a:p>
+              <a:r>
+                <a:rPr kumimoji="1" lang="en-US" altLang="ja-JP" sz="500" b="1" dirty="0" smtClean="0">
+                  <a:latin typeface="メイリオ" panose="020B0604030504040204" pitchFamily="50" charset="-128"/>
+                  <a:ea typeface="メイリオ" panose="020B0604030504040204" pitchFamily="50" charset="-128"/>
+                  <a:cs typeface="メイリオ" panose="020B0604030504040204" pitchFamily="50" charset="-128"/>
+                </a:rPr>
+                <a:t>high</a:t>
+              </a:r>
+              <a:r>
+                <a:rPr kumimoji="1" lang="ja-JP" altLang="en-US" sz="500" b="1" dirty="0" smtClean="0">
+                  <a:latin typeface="メイリオ" panose="020B0604030504040204" pitchFamily="50" charset="-128"/>
+                  <a:ea typeface="メイリオ" panose="020B0604030504040204" pitchFamily="50" charset="-128"/>
+                  <a:cs typeface="メイリオ" panose="020B0604030504040204" pitchFamily="50" charset="-128"/>
+                </a:rPr>
+                <a:t>か？</a:t>
+              </a:r>
+              <a:endParaRPr kumimoji="1" lang="ja-JP" altLang="en-US" sz="500" b="1" dirty="0">
+                <a:latin typeface="メイリオ" panose="020B0604030504040204" pitchFamily="50" charset="-128"/>
+                <a:ea typeface="メイリオ" panose="020B0604030504040204" pitchFamily="50" charset="-128"/>
+                <a:cs typeface="メイリオ" panose="020B0604030504040204" pitchFamily="50" charset="-128"/>
+              </a:endParaRPr>
+            </a:p>
+          </p:txBody>
+        </p:sp>
+        <p:pic>
+          <p:nvPicPr>
+            <p:cNvPr id="5" name="図 4"/>
+            <p:cNvPicPr>
+              <a:picLocks noChangeAspect="1"/>
+            </p:cNvPicPr>
+            <p:nvPr/>
+          </p:nvPicPr>
+          <p:blipFill rotWithShape="1">
+            <a:blip r:embed="rId2">
+              <a:extLst>
+                <a:ext uri="{28A0092B-C50C-407E-A947-70E740481C1C}">
+                  <a14:useLocalDpi xmlns:a14="http://schemas.microsoft.com/office/drawing/2010/main" val="0"/>
+                </a:ext>
+              </a:extLst>
+            </a:blip>
+            <a:srcRect l="62622" t="16941" r="22262" b="73534"/>
+            <a:stretch/>
+          </p:blipFill>
+          <p:spPr>
+            <a:xfrm>
+              <a:off x="3535328" y="1196975"/>
+              <a:ext cx="1036672" cy="469899"/>
+            </a:xfrm>
+            <a:prstGeom prst="rect">
+              <a:avLst/>
+            </a:prstGeom>
+          </p:spPr>
+        </p:pic>
+        <p:pic>
+          <p:nvPicPr>
+            <p:cNvPr id="6" name="図 5"/>
+            <p:cNvPicPr>
+              <a:picLocks noChangeAspect="1"/>
+            </p:cNvPicPr>
+            <p:nvPr/>
+          </p:nvPicPr>
+          <p:blipFill rotWithShape="1">
+            <a:blip r:embed="rId2">
+              <a:extLst>
+                <a:ext uri="{28A0092B-C50C-407E-A947-70E740481C1C}">
+                  <a14:useLocalDpi xmlns:a14="http://schemas.microsoft.com/office/drawing/2010/main" val="0"/>
+                </a:ext>
+              </a:extLst>
+            </a:blip>
+            <a:srcRect l="52068" t="8897" r="33859" b="81838"/>
+            <a:stretch/>
+          </p:blipFill>
+          <p:spPr>
+            <a:xfrm>
+              <a:off x="3558364" y="682626"/>
+              <a:ext cx="965200" cy="457200"/>
+            </a:xfrm>
+            <a:prstGeom prst="rect">
+              <a:avLst/>
+            </a:prstGeom>
+          </p:spPr>
+        </p:pic>
+        <p:sp>
+          <p:nvSpPr>
+            <p:cNvPr id="7" name="フローチャート: 判断 6"/>
+            <p:cNvSpPr/>
+            <p:nvPr/>
+          </p:nvSpPr>
+          <p:spPr>
+            <a:xfrm>
+              <a:off x="4951362" y="828676"/>
+              <a:ext cx="793978" cy="361950"/>
+            </a:xfrm>
+            <a:prstGeom prst="flowChartDecision">
+              <a:avLst/>
+            </a:prstGeom>
+            <a:solidFill>
+              <a:schemeClr val="bg1"/>
+            </a:solidFill>
+            <a:ln>
+              <a:solidFill>
+                <a:schemeClr val="bg1"/>
+              </a:solidFill>
+            </a:ln>
+          </p:spPr>
+          <p:style>
+            <a:lnRef idx="2">
+              <a:schemeClr val="accent1">
+                <a:shade val="50000"/>
+              </a:schemeClr>
+            </a:lnRef>
+            <a:fillRef idx="1">
+              <a:schemeClr val="accent1"/>
+            </a:fillRef>
+            <a:effectRef idx="0">
+              <a:schemeClr val="accent1"/>
+            </a:effectRef>
+            <a:fontRef idx="minor">
+              <a:schemeClr val="lt1"/>
+            </a:fontRef>
+          </p:style>
+          <p:txBody>
+            <a:bodyPr rtlCol="0" anchor="ctr"/>
+            <a:lstStyle/>
+            <a:p>
+              <a:pPr algn="ctr"/>
+              <a:endParaRPr kumimoji="1" lang="ja-JP" altLang="en-US"/>
+            </a:p>
+          </p:txBody>
+        </p:sp>
+        <p:sp>
+          <p:nvSpPr>
+            <p:cNvPr id="8" name="正方形/長方形 7"/>
+            <p:cNvSpPr/>
+            <p:nvPr/>
+          </p:nvSpPr>
+          <p:spPr>
+            <a:xfrm>
+              <a:off x="4541500" y="793751"/>
+              <a:ext cx="1651811" cy="873125"/>
+            </a:xfrm>
+            <a:prstGeom prst="rect">
+              <a:avLst/>
+            </a:prstGeom>
+            <a:solidFill>
+              <a:schemeClr val="bg1"/>
+            </a:solidFill>
+            <a:ln>
+              <a:solidFill>
+                <a:schemeClr val="bg1"/>
+              </a:solidFill>
+            </a:ln>
+          </p:spPr>
+          <p:style>
+            <a:lnRef idx="2">
+              <a:schemeClr val="accent1">
+                <a:shade val="50000"/>
+              </a:schemeClr>
+            </a:lnRef>
+            <a:fillRef idx="1">
+              <a:schemeClr val="accent1"/>
+            </a:fillRef>
+            <a:effectRef idx="0">
+              <a:schemeClr val="accent1"/>
+            </a:effectRef>
+            <a:fontRef idx="minor">
+              <a:schemeClr val="lt1"/>
+            </a:fontRef>
+          </p:style>
+          <p:txBody>
+            <a:bodyPr rtlCol="0" anchor="ctr"/>
+            <a:lstStyle/>
+            <a:p>
+              <a:pPr algn="ctr"/>
+              <a:endParaRPr kumimoji="1" lang="ja-JP" altLang="en-US"/>
+            </a:p>
+          </p:txBody>
+        </p:sp>
+        <p:pic>
+          <p:nvPicPr>
+            <p:cNvPr id="9" name="図 8"/>
+            <p:cNvPicPr>
+              <a:picLocks noChangeAspect="1"/>
+            </p:cNvPicPr>
+            <p:nvPr/>
+          </p:nvPicPr>
+          <p:blipFill rotWithShape="1">
+            <a:blip r:embed="rId2">
+              <a:extLst>
+                <a:ext uri="{28A0092B-C50C-407E-A947-70E740481C1C}">
+                  <a14:useLocalDpi xmlns:a14="http://schemas.microsoft.com/office/drawing/2010/main" val="0"/>
+                </a:ext>
+              </a:extLst>
+            </a:blip>
+            <a:srcRect l="65644" t="34697" r="27516" b="64209"/>
+            <a:stretch/>
+          </p:blipFill>
+          <p:spPr>
+            <a:xfrm>
+              <a:off x="4520389" y="884238"/>
+              <a:ext cx="469081" cy="53975"/>
+            </a:xfrm>
+            <a:prstGeom prst="rect">
+              <a:avLst/>
+            </a:prstGeom>
+          </p:spPr>
+        </p:pic>
+        <p:pic>
+          <p:nvPicPr>
+            <p:cNvPr id="10" name="図 9"/>
+            <p:cNvPicPr>
+              <a:picLocks noChangeAspect="1"/>
+            </p:cNvPicPr>
+            <p:nvPr/>
+          </p:nvPicPr>
+          <p:blipFill rotWithShape="1">
+            <a:blip r:embed="rId2">
+              <a:extLst>
+                <a:ext uri="{28A0092B-C50C-407E-A947-70E740481C1C}">
+                  <a14:useLocalDpi xmlns:a14="http://schemas.microsoft.com/office/drawing/2010/main" val="0"/>
+                </a:ext>
+              </a:extLst>
+            </a:blip>
+            <a:srcRect l="65644" t="34697" r="27516" b="64209"/>
+            <a:stretch/>
+          </p:blipFill>
+          <p:spPr>
+            <a:xfrm>
+              <a:off x="4527141" y="1392238"/>
+              <a:ext cx="469081" cy="53975"/>
+            </a:xfrm>
+            <a:prstGeom prst="rect">
+              <a:avLst/>
+            </a:prstGeom>
+          </p:spPr>
+        </p:pic>
+        <p:grpSp>
+          <p:nvGrpSpPr>
+            <p:cNvPr id="17" name="グループ化 16"/>
+            <p:cNvGrpSpPr/>
+            <p:nvPr/>
+          </p:nvGrpSpPr>
+          <p:grpSpPr>
+            <a:xfrm>
+              <a:off x="5000625" y="1304530"/>
+              <a:ext cx="1127125" cy="250504"/>
+              <a:chOff x="5000625" y="1304530"/>
+              <a:chExt cx="1127125" cy="250504"/>
+            </a:xfrm>
+          </p:grpSpPr>
+          <p:pic>
+            <p:nvPicPr>
+              <p:cNvPr id="11" name="図 10"/>
+              <p:cNvPicPr>
+                <a:picLocks noChangeAspect="1"/>
+              </p:cNvPicPr>
+              <p:nvPr/>
+            </p:nvPicPr>
+            <p:blipFill rotWithShape="1">
+              <a:blip r:embed="rId2">
+                <a:extLst>
+                  <a:ext uri="{28A0092B-C50C-407E-A947-70E740481C1C}">
+                    <a14:useLocalDpi xmlns:a14="http://schemas.microsoft.com/office/drawing/2010/main" val="0"/>
+                  </a:ext>
+                </a:extLst>
+              </a:blip>
+              <a:srcRect l="29011" t="37827" r="62238" b="57684"/>
+              <a:stretch/>
+            </p:blipFill>
+            <p:spPr>
+              <a:xfrm>
+                <a:off x="5000625" y="1304925"/>
+                <a:ext cx="600075" cy="221455"/>
+              </a:xfrm>
+              <a:prstGeom prst="rect">
+                <a:avLst/>
+              </a:prstGeom>
+            </p:spPr>
+          </p:pic>
+          <p:pic>
+            <p:nvPicPr>
+              <p:cNvPr id="15" name="図 14"/>
+              <p:cNvPicPr>
+                <a:picLocks noChangeAspect="1"/>
+              </p:cNvPicPr>
+              <p:nvPr/>
+            </p:nvPicPr>
+            <p:blipFill rotWithShape="1">
+              <a:blip r:embed="rId2">
+                <a:extLst>
+                  <a:ext uri="{28A0092B-C50C-407E-A947-70E740481C1C}">
+                    <a14:useLocalDpi xmlns:a14="http://schemas.microsoft.com/office/drawing/2010/main" val="0"/>
+                  </a:ext>
+                </a:extLst>
+              </a:blip>
+              <a:srcRect l="29011" t="37827" r="62238" b="57684"/>
+              <a:stretch/>
+            </p:blipFill>
+            <p:spPr>
+              <a:xfrm>
+                <a:off x="5527675" y="1304530"/>
+                <a:ext cx="600075" cy="221455"/>
+              </a:xfrm>
+              <a:prstGeom prst="rect">
+                <a:avLst/>
+              </a:prstGeom>
+            </p:spPr>
+          </p:pic>
+          <p:sp>
+            <p:nvSpPr>
+              <p:cNvPr id="16" name="正方形/長方形 15"/>
+              <p:cNvSpPr/>
+              <p:nvPr/>
+            </p:nvSpPr>
+            <p:spPr>
+              <a:xfrm>
+                <a:off x="5118895" y="1321594"/>
+                <a:ext cx="930275" cy="188118"/>
+              </a:xfrm>
+              <a:prstGeom prst="rect">
+                <a:avLst/>
+              </a:prstGeom>
+              <a:solidFill>
+                <a:schemeClr val="bg1"/>
+              </a:solidFill>
+              <a:ln>
+                <a:solidFill>
+                  <a:schemeClr val="bg1"/>
+                </a:solidFill>
+              </a:ln>
+            </p:spPr>
+            <p:style>
+              <a:lnRef idx="2">
+                <a:schemeClr val="accent1">
+                  <a:shade val="50000"/>
+                </a:schemeClr>
+              </a:lnRef>
+              <a:fillRef idx="1">
+                <a:schemeClr val="accent1"/>
+              </a:fillRef>
+              <a:effectRef idx="0">
+                <a:schemeClr val="accent1"/>
+              </a:effectRef>
+              <a:fontRef idx="minor">
+                <a:schemeClr val="lt1"/>
+              </a:fontRef>
+            </p:style>
+            <p:txBody>
+              <a:bodyPr rtlCol="0" anchor="ctr"/>
+              <a:lstStyle/>
+              <a:p>
+                <a:pPr algn="ctr"/>
+                <a:endParaRPr kumimoji="1" lang="ja-JP" altLang="en-US"/>
+              </a:p>
+            </p:txBody>
+          </p:sp>
+          <p:sp>
+            <p:nvSpPr>
+              <p:cNvPr id="13" name="テキスト ボックス 12"/>
+              <p:cNvSpPr txBox="1"/>
+              <p:nvPr/>
+            </p:nvSpPr>
+            <p:spPr>
+              <a:xfrm>
+                <a:off x="5045882" y="1308813"/>
+                <a:ext cx="1035861" cy="246221"/>
+              </a:xfrm>
+              <a:prstGeom prst="rect">
+                <a:avLst/>
+              </a:prstGeom>
+              <a:noFill/>
+            </p:spPr>
+            <p:txBody>
+              <a:bodyPr wrap="square" rtlCol="0">
+                <a:spAutoFit/>
+              </a:bodyPr>
+              <a:lstStyle/>
+              <a:p>
+                <a:r>
+                  <a:rPr kumimoji="1" lang="en-US" altLang="ja-JP" sz="500" b="1" dirty="0" smtClean="0">
+                    <a:latin typeface="メイリオ" panose="020B0604030504040204" pitchFamily="50" charset="-128"/>
+                    <a:ea typeface="メイリオ" panose="020B0604030504040204" pitchFamily="50" charset="-128"/>
+                    <a:cs typeface="メイリオ" panose="020B0604030504040204" pitchFamily="50" charset="-128"/>
+                  </a:rPr>
+                  <a:t>IO_PIN_50 (</a:t>
+                </a:r>
+                <a:r>
+                  <a:rPr kumimoji="1" lang="ja-JP" altLang="en-US" sz="500" b="1" dirty="0" smtClean="0">
+                    <a:latin typeface="メイリオ" panose="020B0604030504040204" pitchFamily="50" charset="-128"/>
+                    <a:ea typeface="メイリオ" panose="020B0604030504040204" pitchFamily="50" charset="-128"/>
+                    <a:cs typeface="メイリオ" panose="020B0604030504040204" pitchFamily="50" charset="-128"/>
+                  </a:rPr>
+                  <a:t>生存ピン</a:t>
+                </a:r>
+                <a:r>
+                  <a:rPr kumimoji="1" lang="en-US" altLang="ja-JP" sz="500" b="1" dirty="0" smtClean="0">
+                    <a:latin typeface="メイリオ" panose="020B0604030504040204" pitchFamily="50" charset="-128"/>
+                    <a:ea typeface="メイリオ" panose="020B0604030504040204" pitchFamily="50" charset="-128"/>
+                    <a:cs typeface="メイリオ" panose="020B0604030504040204" pitchFamily="50" charset="-128"/>
+                  </a:rPr>
+                  <a:t>)low</a:t>
+                </a:r>
+              </a:p>
+              <a:p>
+                <a:r>
+                  <a:rPr kumimoji="1" lang="ja-JP" altLang="en-US" sz="500" b="1" dirty="0" smtClean="0">
+                    <a:latin typeface="メイリオ" panose="020B0604030504040204" pitchFamily="50" charset="-128"/>
+                    <a:ea typeface="メイリオ" panose="020B0604030504040204" pitchFamily="50" charset="-128"/>
+                    <a:cs typeface="メイリオ" panose="020B0604030504040204" pitchFamily="50" charset="-128"/>
+                  </a:rPr>
+                  <a:t>通常運用</a:t>
+                </a:r>
+                <a:endParaRPr kumimoji="1" lang="en-US" altLang="ja-JP" sz="500" b="1" dirty="0" smtClean="0">
+                  <a:latin typeface="メイリオ" panose="020B0604030504040204" pitchFamily="50" charset="-128"/>
+                  <a:ea typeface="メイリオ" panose="020B0604030504040204" pitchFamily="50" charset="-128"/>
+                  <a:cs typeface="メイリオ" panose="020B0604030504040204" pitchFamily="50" charset="-128"/>
+                </a:endParaRPr>
+              </a:p>
+            </p:txBody>
+          </p:sp>
+        </p:grpSp>
+        <p:grpSp>
+          <p:nvGrpSpPr>
+            <p:cNvPr id="18" name="グループ化 17"/>
+            <p:cNvGrpSpPr/>
+            <p:nvPr/>
+          </p:nvGrpSpPr>
+          <p:grpSpPr>
+            <a:xfrm>
+              <a:off x="4989470" y="798637"/>
+              <a:ext cx="1127125" cy="250504"/>
+              <a:chOff x="5000625" y="1304530"/>
+              <a:chExt cx="1127125" cy="250504"/>
+            </a:xfrm>
+          </p:grpSpPr>
+          <p:pic>
+            <p:nvPicPr>
+              <p:cNvPr id="19" name="図 18"/>
+              <p:cNvPicPr>
+                <a:picLocks noChangeAspect="1"/>
+              </p:cNvPicPr>
+              <p:nvPr/>
+            </p:nvPicPr>
+            <p:blipFill rotWithShape="1">
+              <a:blip r:embed="rId2">
+                <a:extLst>
+                  <a:ext uri="{28A0092B-C50C-407E-A947-70E740481C1C}">
+                    <a14:useLocalDpi xmlns:a14="http://schemas.microsoft.com/office/drawing/2010/main" val="0"/>
+                  </a:ext>
+                </a:extLst>
+              </a:blip>
+              <a:srcRect l="29011" t="37827" r="62238" b="57684"/>
+              <a:stretch/>
+            </p:blipFill>
+            <p:spPr>
+              <a:xfrm>
+                <a:off x="5000625" y="1304925"/>
+                <a:ext cx="600075" cy="221455"/>
+              </a:xfrm>
+              <a:prstGeom prst="rect">
+                <a:avLst/>
+              </a:prstGeom>
+            </p:spPr>
+          </p:pic>
+          <p:pic>
+            <p:nvPicPr>
+              <p:cNvPr id="20" name="図 19"/>
+              <p:cNvPicPr>
+                <a:picLocks noChangeAspect="1"/>
+              </p:cNvPicPr>
+              <p:nvPr/>
+            </p:nvPicPr>
+            <p:blipFill rotWithShape="1">
+              <a:blip r:embed="rId2">
+                <a:extLst>
+                  <a:ext uri="{28A0092B-C50C-407E-A947-70E740481C1C}">
+                    <a14:useLocalDpi xmlns:a14="http://schemas.microsoft.com/office/drawing/2010/main" val="0"/>
+                  </a:ext>
+                </a:extLst>
+              </a:blip>
+              <a:srcRect l="29011" t="37827" r="62238" b="57684"/>
+              <a:stretch/>
+            </p:blipFill>
+            <p:spPr>
+              <a:xfrm>
+                <a:off x="5527675" y="1304530"/>
+                <a:ext cx="600075" cy="221455"/>
+              </a:xfrm>
+              <a:prstGeom prst="rect">
+                <a:avLst/>
+              </a:prstGeom>
+            </p:spPr>
+          </p:pic>
+          <p:sp>
+            <p:nvSpPr>
+              <p:cNvPr id="21" name="正方形/長方形 20"/>
+              <p:cNvSpPr/>
+              <p:nvPr/>
+            </p:nvSpPr>
+            <p:spPr>
+              <a:xfrm>
+                <a:off x="5118895" y="1321594"/>
+                <a:ext cx="930275" cy="188118"/>
+              </a:xfrm>
+              <a:prstGeom prst="rect">
+                <a:avLst/>
+              </a:prstGeom>
+              <a:solidFill>
+                <a:schemeClr val="bg1"/>
+              </a:solidFill>
+              <a:ln>
+                <a:solidFill>
+                  <a:schemeClr val="bg1"/>
+                </a:solidFill>
+              </a:ln>
+            </p:spPr>
+            <p:style>
+              <a:lnRef idx="2">
+                <a:schemeClr val="accent1">
+                  <a:shade val="50000"/>
+                </a:schemeClr>
+              </a:lnRef>
+              <a:fillRef idx="1">
+                <a:schemeClr val="accent1"/>
+              </a:fillRef>
+              <a:effectRef idx="0">
+                <a:schemeClr val="accent1"/>
+              </a:effectRef>
+              <a:fontRef idx="minor">
+                <a:schemeClr val="lt1"/>
+              </a:fontRef>
+            </p:style>
+            <p:txBody>
+              <a:bodyPr rtlCol="0" anchor="ctr"/>
+              <a:lstStyle/>
+              <a:p>
+                <a:pPr algn="ctr"/>
+                <a:endParaRPr kumimoji="1" lang="ja-JP" altLang="en-US"/>
+              </a:p>
+            </p:txBody>
+          </p:sp>
+          <p:sp>
+            <p:nvSpPr>
+              <p:cNvPr id="22" name="テキスト ボックス 21"/>
+              <p:cNvSpPr txBox="1"/>
+              <p:nvPr/>
+            </p:nvSpPr>
+            <p:spPr>
+              <a:xfrm>
+                <a:off x="5045882" y="1308813"/>
+                <a:ext cx="1035861" cy="246221"/>
+              </a:xfrm>
+              <a:prstGeom prst="rect">
+                <a:avLst/>
+              </a:prstGeom>
+              <a:noFill/>
+            </p:spPr>
+            <p:txBody>
+              <a:bodyPr wrap="square" rtlCol="0">
+                <a:spAutoFit/>
+              </a:bodyPr>
+              <a:lstStyle/>
+              <a:p>
+                <a:r>
+                  <a:rPr kumimoji="1" lang="en-US" altLang="ja-JP" sz="500" b="1" dirty="0" smtClean="0">
+                    <a:latin typeface="メイリオ" panose="020B0604030504040204" pitchFamily="50" charset="-128"/>
+                    <a:ea typeface="メイリオ" panose="020B0604030504040204" pitchFamily="50" charset="-128"/>
+                    <a:cs typeface="メイリオ" panose="020B0604030504040204" pitchFamily="50" charset="-128"/>
+                  </a:rPr>
+                  <a:t>IO_PIN_50 (</a:t>
+                </a:r>
+                <a:r>
+                  <a:rPr kumimoji="1" lang="ja-JP" altLang="en-US" sz="500" b="1" dirty="0" smtClean="0">
+                    <a:latin typeface="メイリオ" panose="020B0604030504040204" pitchFamily="50" charset="-128"/>
+                    <a:ea typeface="メイリオ" panose="020B0604030504040204" pitchFamily="50" charset="-128"/>
+                    <a:cs typeface="メイリオ" panose="020B0604030504040204" pitchFamily="50" charset="-128"/>
+                  </a:rPr>
+                  <a:t>生存ピン</a:t>
+                </a:r>
+                <a:r>
+                  <a:rPr kumimoji="1" lang="en-US" altLang="ja-JP" sz="500" b="1" dirty="0" smtClean="0">
+                    <a:latin typeface="メイリオ" panose="020B0604030504040204" pitchFamily="50" charset="-128"/>
+                    <a:ea typeface="メイリオ" panose="020B0604030504040204" pitchFamily="50" charset="-128"/>
+                    <a:cs typeface="メイリオ" panose="020B0604030504040204" pitchFamily="50" charset="-128"/>
+                  </a:rPr>
+                  <a:t>)low</a:t>
+                </a:r>
+              </a:p>
+              <a:p>
+                <a:r>
+                  <a:rPr kumimoji="1" lang="ja-JP" altLang="en-US" sz="500" b="1" dirty="0" smtClean="0">
+                    <a:latin typeface="メイリオ" panose="020B0604030504040204" pitchFamily="50" charset="-128"/>
+                    <a:ea typeface="メイリオ" panose="020B0604030504040204" pitchFamily="50" charset="-128"/>
+                    <a:cs typeface="メイリオ" panose="020B0604030504040204" pitchFamily="50" charset="-128"/>
+                  </a:rPr>
+                  <a:t>通常運用</a:t>
+                </a:r>
+                <a:endParaRPr kumimoji="1" lang="en-US" altLang="ja-JP" sz="500" b="1" dirty="0" smtClean="0">
+                  <a:latin typeface="メイリオ" panose="020B0604030504040204" pitchFamily="50" charset="-128"/>
+                  <a:ea typeface="メイリオ" panose="020B0604030504040204" pitchFamily="50" charset="-128"/>
+                  <a:cs typeface="メイリオ" panose="020B0604030504040204" pitchFamily="50" charset="-128"/>
+                </a:endParaRPr>
+              </a:p>
+            </p:txBody>
+          </p:sp>
+        </p:grpSp>
+        <p:sp>
+          <p:nvSpPr>
+            <p:cNvPr id="23" name="正方形/長方形 22"/>
+            <p:cNvSpPr/>
+            <p:nvPr/>
+          </p:nvSpPr>
+          <p:spPr>
+            <a:xfrm>
+              <a:off x="4395788" y="1728788"/>
+              <a:ext cx="54768" cy="66675"/>
+            </a:xfrm>
+            <a:prstGeom prst="rect">
+              <a:avLst/>
+            </a:prstGeom>
+            <a:solidFill>
+              <a:srgbClr val="FCEADC"/>
+            </a:solidFill>
+            <a:ln>
+              <a:solidFill>
+                <a:srgbClr val="FCEADC"/>
+              </a:solidFill>
+            </a:ln>
+          </p:spPr>
+          <p:style>
+            <a:lnRef idx="2">
+              <a:schemeClr val="accent1">
+                <a:shade val="50000"/>
+              </a:schemeClr>
+            </a:lnRef>
+            <a:fillRef idx="1">
+              <a:schemeClr val="accent1"/>
+            </a:fillRef>
+            <a:effectRef idx="0">
+              <a:schemeClr val="accent1"/>
+            </a:effectRef>
+            <a:fontRef idx="minor">
+              <a:schemeClr val="lt1"/>
+            </a:fontRef>
+          </p:style>
+          <p:txBody>
+            <a:bodyPr rtlCol="0" anchor="ctr"/>
+            <a:lstStyle/>
+            <a:p>
+              <a:pPr algn="ctr"/>
+              <a:endParaRPr kumimoji="1" lang="ja-JP" altLang="en-US"/>
+            </a:p>
+          </p:txBody>
+        </p:sp>
+        <p:sp>
+          <p:nvSpPr>
+            <p:cNvPr id="24" name="正方形/長方形 23"/>
+            <p:cNvSpPr/>
+            <p:nvPr/>
+          </p:nvSpPr>
+          <p:spPr>
+            <a:xfrm>
+              <a:off x="4436270" y="1802607"/>
+              <a:ext cx="54768" cy="66675"/>
+            </a:xfrm>
+            <a:prstGeom prst="rect">
+              <a:avLst/>
+            </a:prstGeom>
+            <a:solidFill>
+              <a:srgbClr val="FCEADC"/>
+            </a:solidFill>
+            <a:ln>
+              <a:solidFill>
+                <a:srgbClr val="FCEADC"/>
+              </a:solidFill>
+            </a:ln>
+          </p:spPr>
+          <p:style>
+            <a:lnRef idx="2">
+              <a:schemeClr val="accent1">
+                <a:shade val="50000"/>
+              </a:schemeClr>
+            </a:lnRef>
+            <a:fillRef idx="1">
+              <a:schemeClr val="accent1"/>
+            </a:fillRef>
+            <a:effectRef idx="0">
+              <a:schemeClr val="accent1"/>
+            </a:effectRef>
+            <a:fontRef idx="minor">
+              <a:schemeClr val="lt1"/>
+            </a:fontRef>
+          </p:style>
+          <p:txBody>
+            <a:bodyPr rtlCol="0" anchor="ctr"/>
+            <a:lstStyle/>
+            <a:p>
+              <a:pPr algn="ctr"/>
+              <a:endParaRPr kumimoji="1" lang="ja-JP" altLang="en-US"/>
+            </a:p>
+          </p:txBody>
+        </p:sp>
+        <p:sp>
+          <p:nvSpPr>
+            <p:cNvPr id="25" name="テキスト ボックス 24"/>
+            <p:cNvSpPr txBox="1"/>
+            <p:nvPr/>
+          </p:nvSpPr>
+          <p:spPr>
+            <a:xfrm>
+              <a:off x="4299130" y="1690737"/>
+              <a:ext cx="272870" cy="153888"/>
+            </a:xfrm>
+            <a:prstGeom prst="rect">
+              <a:avLst/>
+            </a:prstGeom>
+            <a:noFill/>
+          </p:spPr>
+          <p:txBody>
+            <a:bodyPr wrap="square" rtlCol="0">
+              <a:spAutoFit/>
+            </a:bodyPr>
+            <a:lstStyle/>
+            <a:p>
+              <a:r>
+                <a:rPr kumimoji="1" lang="en-US" altLang="ja-JP" sz="400" b="1" dirty="0" smtClean="0">
+                  <a:latin typeface="メイリオ" panose="020B0604030504040204" pitchFamily="50" charset="-128"/>
+                  <a:ea typeface="メイリオ" panose="020B0604030504040204" pitchFamily="50" charset="-128"/>
+                  <a:cs typeface="メイリオ" panose="020B0604030504040204" pitchFamily="50" charset="-128"/>
+                </a:rPr>
+                <a:t>56</a:t>
+              </a:r>
+            </a:p>
+          </p:txBody>
+        </p:sp>
+        <p:sp>
+          <p:nvSpPr>
+            <p:cNvPr id="26" name="テキスト ボックス 25"/>
+            <p:cNvSpPr txBox="1"/>
+            <p:nvPr/>
+          </p:nvSpPr>
+          <p:spPr>
+            <a:xfrm>
+              <a:off x="4334362" y="1764457"/>
+              <a:ext cx="272870" cy="153888"/>
+            </a:xfrm>
+            <a:prstGeom prst="rect">
+              <a:avLst/>
+            </a:prstGeom>
+            <a:noFill/>
+          </p:spPr>
+          <p:txBody>
+            <a:bodyPr wrap="square" rtlCol="0">
+              <a:spAutoFit/>
+            </a:bodyPr>
+            <a:lstStyle/>
+            <a:p>
+              <a:r>
+                <a:rPr kumimoji="1" lang="en-US" altLang="ja-JP" sz="400" b="1" dirty="0" smtClean="0">
+                  <a:latin typeface="メイリオ" panose="020B0604030504040204" pitchFamily="50" charset="-128"/>
+                  <a:ea typeface="メイリオ" panose="020B0604030504040204" pitchFamily="50" charset="-128"/>
+                  <a:cs typeface="メイリオ" panose="020B0604030504040204" pitchFamily="50" charset="-128"/>
+                </a:rPr>
+                <a:t>56</a:t>
+              </a:r>
+            </a:p>
+          </p:txBody>
+        </p:sp>
+        <p:sp>
+          <p:nvSpPr>
+            <p:cNvPr id="27" name="正方形/長方形 26"/>
+            <p:cNvSpPr/>
+            <p:nvPr/>
+          </p:nvSpPr>
+          <p:spPr>
+            <a:xfrm>
+              <a:off x="6074600" y="2169319"/>
+              <a:ext cx="188088" cy="64294"/>
+            </a:xfrm>
+            <a:prstGeom prst="rect">
+              <a:avLst/>
+            </a:prstGeom>
+            <a:solidFill>
+              <a:schemeClr val="bg1"/>
+            </a:solidFill>
+            <a:ln>
+              <a:solidFill>
+                <a:schemeClr val="bg1"/>
+              </a:solidFill>
+            </a:ln>
+          </p:spPr>
+          <p:style>
+            <a:lnRef idx="2">
+              <a:schemeClr val="accent1">
+                <a:shade val="50000"/>
+              </a:schemeClr>
+            </a:lnRef>
+            <a:fillRef idx="1">
+              <a:schemeClr val="accent1"/>
+            </a:fillRef>
+            <a:effectRef idx="0">
+              <a:schemeClr val="accent1"/>
+            </a:effectRef>
+            <a:fontRef idx="minor">
+              <a:schemeClr val="lt1"/>
+            </a:fontRef>
+          </p:style>
+          <p:txBody>
+            <a:bodyPr rtlCol="0" anchor="ctr"/>
+            <a:lstStyle/>
+            <a:p>
+              <a:pPr algn="ctr"/>
+              <a:endParaRPr kumimoji="1" lang="ja-JP" altLang="en-US"/>
+            </a:p>
+          </p:txBody>
+        </p:sp>
+        <p:sp>
+          <p:nvSpPr>
+            <p:cNvPr id="28" name="正方形/長方形 27"/>
+            <p:cNvSpPr/>
+            <p:nvPr/>
+          </p:nvSpPr>
+          <p:spPr>
+            <a:xfrm>
+              <a:off x="5903119" y="3341012"/>
+              <a:ext cx="83344" cy="68938"/>
+            </a:xfrm>
+            <a:prstGeom prst="rect">
+              <a:avLst/>
+            </a:prstGeom>
+            <a:solidFill>
+              <a:srgbClr val="FF98FE"/>
+            </a:solidFill>
+            <a:ln>
+              <a:solidFill>
+                <a:srgbClr val="FF98FE"/>
+              </a:solidFill>
+            </a:ln>
+          </p:spPr>
+          <p:style>
+            <a:lnRef idx="2">
+              <a:schemeClr val="accent1">
+                <a:shade val="50000"/>
+              </a:schemeClr>
+            </a:lnRef>
+            <a:fillRef idx="1">
+              <a:schemeClr val="accent1"/>
+            </a:fillRef>
+            <a:effectRef idx="0">
+              <a:schemeClr val="accent1"/>
+            </a:effectRef>
+            <a:fontRef idx="minor">
+              <a:schemeClr val="lt1"/>
+            </a:fontRef>
+          </p:style>
+          <p:txBody>
+            <a:bodyPr rtlCol="0" anchor="ctr"/>
+            <a:lstStyle/>
+            <a:p>
+              <a:pPr algn="ctr"/>
+              <a:endParaRPr kumimoji="1" lang="ja-JP" altLang="en-US"/>
+            </a:p>
+          </p:txBody>
+        </p:sp>
+        <p:sp>
+          <p:nvSpPr>
+            <p:cNvPr id="29" name="正方形/長方形 28"/>
+            <p:cNvSpPr/>
+            <p:nvPr/>
+          </p:nvSpPr>
+          <p:spPr>
+            <a:xfrm>
+              <a:off x="5903119" y="3905368"/>
+              <a:ext cx="83344" cy="68938"/>
+            </a:xfrm>
+            <a:prstGeom prst="rect">
+              <a:avLst/>
+            </a:prstGeom>
+            <a:solidFill>
+              <a:srgbClr val="FF98FE"/>
+            </a:solidFill>
+            <a:ln>
+              <a:solidFill>
+                <a:srgbClr val="FF98FE"/>
+              </a:solidFill>
+            </a:ln>
+          </p:spPr>
+          <p:style>
+            <a:lnRef idx="2">
+              <a:schemeClr val="accent1">
+                <a:shade val="50000"/>
+              </a:schemeClr>
+            </a:lnRef>
+            <a:fillRef idx="1">
+              <a:schemeClr val="accent1"/>
+            </a:fillRef>
+            <a:effectRef idx="0">
+              <a:schemeClr val="accent1"/>
+            </a:effectRef>
+            <a:fontRef idx="minor">
+              <a:schemeClr val="lt1"/>
+            </a:fontRef>
+          </p:style>
+          <p:txBody>
+            <a:bodyPr rtlCol="0" anchor="ctr"/>
+            <a:lstStyle/>
+            <a:p>
+              <a:pPr algn="ctr"/>
+              <a:endParaRPr kumimoji="1" lang="ja-JP" altLang="en-US"/>
+            </a:p>
+          </p:txBody>
+        </p:sp>
+        <p:sp>
+          <p:nvSpPr>
+            <p:cNvPr id="30" name="テキスト ボックス 29"/>
+            <p:cNvSpPr txBox="1"/>
+            <p:nvPr/>
+          </p:nvSpPr>
+          <p:spPr>
+            <a:xfrm>
+              <a:off x="5823700" y="3308061"/>
+              <a:ext cx="272870" cy="153888"/>
+            </a:xfrm>
+            <a:prstGeom prst="rect">
+              <a:avLst/>
+            </a:prstGeom>
+            <a:noFill/>
+          </p:spPr>
+          <p:txBody>
+            <a:bodyPr wrap="square" rtlCol="0">
+              <a:spAutoFit/>
+            </a:bodyPr>
+            <a:lstStyle/>
+            <a:p>
+              <a:r>
+                <a:rPr kumimoji="1" lang="en-US" altLang="ja-JP" sz="400" b="1" dirty="0" smtClean="0">
+                  <a:latin typeface="メイリオ" panose="020B0604030504040204" pitchFamily="50" charset="-128"/>
+                  <a:ea typeface="メイリオ" panose="020B0604030504040204" pitchFamily="50" charset="-128"/>
+                  <a:cs typeface="メイリオ" panose="020B0604030504040204" pitchFamily="50" charset="-128"/>
+                </a:rPr>
+                <a:t>15</a:t>
+              </a:r>
+            </a:p>
+          </p:txBody>
+        </p:sp>
+        <p:sp>
+          <p:nvSpPr>
+            <p:cNvPr id="31" name="テキスト ボックス 30"/>
+            <p:cNvSpPr txBox="1"/>
+            <p:nvPr/>
+          </p:nvSpPr>
+          <p:spPr>
+            <a:xfrm>
+              <a:off x="5826081" y="3865274"/>
+              <a:ext cx="272870" cy="153888"/>
+            </a:xfrm>
+            <a:prstGeom prst="rect">
+              <a:avLst/>
+            </a:prstGeom>
+            <a:noFill/>
+          </p:spPr>
+          <p:txBody>
+            <a:bodyPr wrap="square" rtlCol="0">
+              <a:spAutoFit/>
+            </a:bodyPr>
+            <a:lstStyle/>
+            <a:p>
+              <a:r>
+                <a:rPr kumimoji="1" lang="en-US" altLang="ja-JP" sz="400" b="1" dirty="0" smtClean="0">
+                  <a:latin typeface="メイリオ" panose="020B0604030504040204" pitchFamily="50" charset="-128"/>
+                  <a:ea typeface="メイリオ" panose="020B0604030504040204" pitchFamily="50" charset="-128"/>
+                  <a:cs typeface="メイリオ" panose="020B0604030504040204" pitchFamily="50" charset="-128"/>
+                </a:rPr>
+                <a:t>15</a:t>
+              </a:r>
+            </a:p>
+          </p:txBody>
+        </p:sp>
+        <p:sp>
+          <p:nvSpPr>
+            <p:cNvPr id="33" name="正方形/長方形 32"/>
+            <p:cNvSpPr/>
+            <p:nvPr/>
+          </p:nvSpPr>
+          <p:spPr>
+            <a:xfrm>
+              <a:off x="5053410" y="4574884"/>
+              <a:ext cx="130969" cy="92868"/>
+            </a:xfrm>
+            <a:prstGeom prst="rect">
+              <a:avLst/>
+            </a:prstGeom>
+            <a:solidFill>
+              <a:schemeClr val="bg1"/>
+            </a:solidFill>
+            <a:ln>
+              <a:solidFill>
+                <a:schemeClr val="bg1"/>
+              </a:solidFill>
+            </a:ln>
+          </p:spPr>
+          <p:style>
+            <a:lnRef idx="2">
+              <a:schemeClr val="accent1">
+                <a:shade val="50000"/>
+              </a:schemeClr>
+            </a:lnRef>
+            <a:fillRef idx="1">
+              <a:schemeClr val="accent1"/>
+            </a:fillRef>
+            <a:effectRef idx="0">
+              <a:schemeClr val="accent1"/>
+            </a:effectRef>
+            <a:fontRef idx="minor">
+              <a:schemeClr val="lt1"/>
+            </a:fontRef>
+          </p:style>
+          <p:txBody>
+            <a:bodyPr rtlCol="0" anchor="ctr"/>
+            <a:lstStyle/>
+            <a:p>
+              <a:pPr algn="ctr"/>
+              <a:endParaRPr kumimoji="1" lang="ja-JP" altLang="en-US"/>
+            </a:p>
+          </p:txBody>
+        </p:sp>
+        <p:sp>
+          <p:nvSpPr>
+            <p:cNvPr id="32" name="テキスト ボックス 31"/>
+            <p:cNvSpPr txBox="1"/>
+            <p:nvPr/>
+          </p:nvSpPr>
+          <p:spPr>
+            <a:xfrm>
+              <a:off x="4971305" y="4551517"/>
+              <a:ext cx="379364" cy="153888"/>
+            </a:xfrm>
+            <a:prstGeom prst="rect">
+              <a:avLst/>
+            </a:prstGeom>
+            <a:noFill/>
+          </p:spPr>
+          <p:txBody>
+            <a:bodyPr wrap="square" rtlCol="0">
+              <a:spAutoFit/>
+            </a:bodyPr>
+            <a:lstStyle/>
+            <a:p>
+              <a:r>
+                <a:rPr kumimoji="1" lang="en-US" altLang="ja-JP" sz="400" b="1" dirty="0" smtClean="0">
+                  <a:latin typeface="メイリオ" panose="020B0604030504040204" pitchFamily="50" charset="-128"/>
+                  <a:ea typeface="メイリオ" panose="020B0604030504040204" pitchFamily="50" charset="-128"/>
+                  <a:cs typeface="メイリオ" panose="020B0604030504040204" pitchFamily="50" charset="-128"/>
+                </a:rPr>
+                <a:t>56</a:t>
+              </a:r>
+              <a:r>
+                <a:rPr kumimoji="1" lang="ja-JP" altLang="en-US" sz="400" b="1" dirty="0" smtClean="0">
+                  <a:latin typeface="メイリオ" panose="020B0604030504040204" pitchFamily="50" charset="-128"/>
+                  <a:ea typeface="メイリオ" panose="020B0604030504040204" pitchFamily="50" charset="-128"/>
+                  <a:cs typeface="メイリオ" panose="020B0604030504040204" pitchFamily="50" charset="-128"/>
+                </a:rPr>
+                <a:t>＊４</a:t>
+              </a:r>
+              <a:endParaRPr kumimoji="1" lang="en-US" altLang="ja-JP" sz="400" b="1" dirty="0" smtClean="0">
+                <a:latin typeface="メイリオ" panose="020B0604030504040204" pitchFamily="50" charset="-128"/>
+                <a:ea typeface="メイリオ" panose="020B0604030504040204" pitchFamily="50" charset="-128"/>
+                <a:cs typeface="メイリオ" panose="020B0604030504040204" pitchFamily="50" charset="-128"/>
+              </a:endParaRPr>
+            </a:p>
+          </p:txBody>
+        </p:sp>
+      </p:grpSp>
+    </p:spTree>
+    <p:extLst>
+      <p:ext uri="{BB962C8B-B14F-4D97-AF65-F5344CB8AC3E}">
+        <p14:creationId xmlns:p14="http://schemas.microsoft.com/office/powerpoint/2010/main" val="567127138"/>
+      </p:ext>
+    </p:extLst>
+  </p:cSld>
+  <p:clrMapOvr>
+    <a:masterClrMapping/>
+  </p:clrMapOvr>
+</p:sld>
+</file>
+
 <file path=ppt/theme/theme1.xml><?xml version="1.0" encoding="utf-8"?>
 <a:theme xmlns:a="http://schemas.openxmlformats.org/drawingml/2006/main" name="Office テーマ">
   <a:themeElements>
